--- a/簡報1.pptx
+++ b/簡報1.pptx
@@ -29,6 +29,8 @@
     <p:sldId id="278" r:id="rId23"/>
     <p:sldId id="279" r:id="rId24"/>
     <p:sldId id="280" r:id="rId25"/>
+    <p:sldId id="282" r:id="rId26"/>
+    <p:sldId id="283" r:id="rId27"/>
   </p:sldIdLst>
   <p:sldSz cx="12192000" cy="6858000"/>
   <p:notesSz cx="6858000" cy="9144000"/>
@@ -266,7 +268,7 @@
           <a:p>
             <a:fld id="{637B9819-FE91-484D-8F2D-F792F4BC40ED}" type="datetimeFigureOut">
               <a:rPr lang="zh-TW" altLang="en-US" smtClean="0"/>
-              <a:t>2017/7/13</a:t>
+              <a:t>2017/7/18</a:t>
             </a:fld>
             <a:endParaRPr lang="zh-TW" altLang="en-US"/>
           </a:p>
@@ -436,7 +438,7 @@
           <a:p>
             <a:fld id="{637B9819-FE91-484D-8F2D-F792F4BC40ED}" type="datetimeFigureOut">
               <a:rPr lang="zh-TW" altLang="en-US" smtClean="0"/>
-              <a:t>2017/7/13</a:t>
+              <a:t>2017/7/18</a:t>
             </a:fld>
             <a:endParaRPr lang="zh-TW" altLang="en-US"/>
           </a:p>
@@ -616,7 +618,7 @@
           <a:p>
             <a:fld id="{637B9819-FE91-484D-8F2D-F792F4BC40ED}" type="datetimeFigureOut">
               <a:rPr lang="zh-TW" altLang="en-US" smtClean="0"/>
-              <a:t>2017/7/13</a:t>
+              <a:t>2017/7/18</a:t>
             </a:fld>
             <a:endParaRPr lang="zh-TW" altLang="en-US"/>
           </a:p>
@@ -786,7 +788,7 @@
           <a:p>
             <a:fld id="{637B9819-FE91-484D-8F2D-F792F4BC40ED}" type="datetimeFigureOut">
               <a:rPr lang="zh-TW" altLang="en-US" smtClean="0"/>
-              <a:t>2017/7/13</a:t>
+              <a:t>2017/7/18</a:t>
             </a:fld>
             <a:endParaRPr lang="zh-TW" altLang="en-US"/>
           </a:p>
@@ -1032,7 +1034,7 @@
           <a:p>
             <a:fld id="{637B9819-FE91-484D-8F2D-F792F4BC40ED}" type="datetimeFigureOut">
               <a:rPr lang="zh-TW" altLang="en-US" smtClean="0"/>
-              <a:t>2017/7/13</a:t>
+              <a:t>2017/7/18</a:t>
             </a:fld>
             <a:endParaRPr lang="zh-TW" altLang="en-US"/>
           </a:p>
@@ -1264,7 +1266,7 @@
           <a:p>
             <a:fld id="{637B9819-FE91-484D-8F2D-F792F4BC40ED}" type="datetimeFigureOut">
               <a:rPr lang="zh-TW" altLang="en-US" smtClean="0"/>
-              <a:t>2017/7/13</a:t>
+              <a:t>2017/7/18</a:t>
             </a:fld>
             <a:endParaRPr lang="zh-TW" altLang="en-US"/>
           </a:p>
@@ -1631,7 +1633,7 @@
           <a:p>
             <a:fld id="{637B9819-FE91-484D-8F2D-F792F4BC40ED}" type="datetimeFigureOut">
               <a:rPr lang="zh-TW" altLang="en-US" smtClean="0"/>
-              <a:t>2017/7/13</a:t>
+              <a:t>2017/7/18</a:t>
             </a:fld>
             <a:endParaRPr lang="zh-TW" altLang="en-US"/>
           </a:p>
@@ -1749,7 +1751,7 @@
           <a:p>
             <a:fld id="{637B9819-FE91-484D-8F2D-F792F4BC40ED}" type="datetimeFigureOut">
               <a:rPr lang="zh-TW" altLang="en-US" smtClean="0"/>
-              <a:t>2017/7/13</a:t>
+              <a:t>2017/7/18</a:t>
             </a:fld>
             <a:endParaRPr lang="zh-TW" altLang="en-US"/>
           </a:p>
@@ -1844,7 +1846,7 @@
           <a:p>
             <a:fld id="{637B9819-FE91-484D-8F2D-F792F4BC40ED}" type="datetimeFigureOut">
               <a:rPr lang="zh-TW" altLang="en-US" smtClean="0"/>
-              <a:t>2017/7/13</a:t>
+              <a:t>2017/7/18</a:t>
             </a:fld>
             <a:endParaRPr lang="zh-TW" altLang="en-US"/>
           </a:p>
@@ -2121,7 +2123,7 @@
           <a:p>
             <a:fld id="{637B9819-FE91-484D-8F2D-F792F4BC40ED}" type="datetimeFigureOut">
               <a:rPr lang="zh-TW" altLang="en-US" smtClean="0"/>
-              <a:t>2017/7/13</a:t>
+              <a:t>2017/7/18</a:t>
             </a:fld>
             <a:endParaRPr lang="zh-TW" altLang="en-US"/>
           </a:p>
@@ -2374,7 +2376,7 @@
           <a:p>
             <a:fld id="{637B9819-FE91-484D-8F2D-F792F4BC40ED}" type="datetimeFigureOut">
               <a:rPr lang="zh-TW" altLang="en-US" smtClean="0"/>
-              <a:t>2017/7/13</a:t>
+              <a:t>2017/7/18</a:t>
             </a:fld>
             <a:endParaRPr lang="zh-TW" altLang="en-US"/>
           </a:p>
@@ -2587,7 +2589,7 @@
           <a:p>
             <a:fld id="{637B9819-FE91-484D-8F2D-F792F4BC40ED}" type="datetimeFigureOut">
               <a:rPr lang="zh-TW" altLang="en-US" smtClean="0"/>
-              <a:t>2017/7/13</a:t>
+              <a:t>2017/7/18</a:t>
             </a:fld>
             <a:endParaRPr lang="zh-TW" altLang="en-US"/>
           </a:p>
@@ -20697,6 +20699,2117 @@
     <p:extLst>
       <p:ext uri="{BB962C8B-B14F-4D97-AF65-F5344CB8AC3E}">
         <p14:creationId xmlns:p14="http://schemas.microsoft.com/office/powerpoint/2010/main" val="2327342951"/>
+      </p:ext>
+    </p:extLst>
+  </p:cSld>
+  <p:clrMapOvr>
+    <a:masterClrMapping/>
+  </p:clrMapOvr>
+  <p:timing>
+    <p:tnLst>
+      <p:par>
+        <p:cTn id="1" dur="indefinite" restart="never" nodeType="tmRoot"/>
+      </p:par>
+    </p:tnLst>
+  </p:timing>
+</p:sld>
+</file>
+
+<file path=ppt/slides/slide25.xml><?xml version="1.0" encoding="utf-8"?>
+<p:sld xmlns:a="http://schemas.openxmlformats.org/drawingml/2006/main" xmlns:r="http://schemas.openxmlformats.org/officeDocument/2006/relationships" xmlns:p="http://schemas.openxmlformats.org/presentationml/2006/main">
+  <p:cSld>
+    <p:spTree>
+      <p:nvGrpSpPr>
+        <p:cNvPr id="1" name=""/>
+        <p:cNvGrpSpPr/>
+        <p:nvPr/>
+      </p:nvGrpSpPr>
+      <p:grpSpPr>
+        <a:xfrm>
+          <a:off x="0" y="0"/>
+          <a:ext cx="0" cy="0"/>
+          <a:chOff x="0" y="0"/>
+          <a:chExt cx="0" cy="0"/>
+        </a:xfrm>
+      </p:grpSpPr>
+      <p:sp>
+        <p:nvSpPr>
+          <p:cNvPr id="2" name="流程圖: 替代程序 1"/>
+          <p:cNvSpPr/>
+          <p:nvPr/>
+        </p:nvSpPr>
+        <p:spPr>
+          <a:xfrm>
+            <a:off x="3691831" y="373311"/>
+            <a:ext cx="1080000" cy="288000"/>
+          </a:xfrm>
+          <a:prstGeom prst="flowChartAlternateProcess">
+            <a:avLst/>
+          </a:prstGeom>
+        </p:spPr>
+        <p:style>
+          <a:lnRef idx="2">
+            <a:schemeClr val="dk1"/>
+          </a:lnRef>
+          <a:fillRef idx="1">
+            <a:schemeClr val="lt1"/>
+          </a:fillRef>
+          <a:effectRef idx="0">
+            <a:schemeClr val="dk1"/>
+          </a:effectRef>
+          <a:fontRef idx="minor">
+            <a:schemeClr val="dk1"/>
+          </a:fontRef>
+        </p:style>
+        <p:txBody>
+          <a:bodyPr rtlCol="0" anchor="ctr"/>
+          <a:lstStyle/>
+          <a:p>
+            <a:pPr algn="ctr"/>
+            <a:r>
+              <a:rPr lang="en-US" altLang="zh-TW" sz="1200" dirty="0" smtClean="0"/>
+              <a:t>MQTT Broker</a:t>
+            </a:r>
+            <a:endParaRPr lang="zh-TW" altLang="en-US" sz="1200" dirty="0"/>
+          </a:p>
+        </p:txBody>
+      </p:sp>
+      <p:sp>
+        <p:nvSpPr>
+          <p:cNvPr id="3" name="流程圖: 替代程序 2"/>
+          <p:cNvSpPr/>
+          <p:nvPr/>
+        </p:nvSpPr>
+        <p:spPr>
+          <a:xfrm>
+            <a:off x="3547831" y="914274"/>
+            <a:ext cx="1368000" cy="288000"/>
+          </a:xfrm>
+          <a:prstGeom prst="flowChartAlternateProcess">
+            <a:avLst/>
+          </a:prstGeom>
+        </p:spPr>
+        <p:style>
+          <a:lnRef idx="2">
+            <a:schemeClr val="dk1"/>
+          </a:lnRef>
+          <a:fillRef idx="1">
+            <a:schemeClr val="lt1"/>
+          </a:fillRef>
+          <a:effectRef idx="0">
+            <a:schemeClr val="dk1"/>
+          </a:effectRef>
+          <a:fontRef idx="minor">
+            <a:schemeClr val="dk1"/>
+          </a:fontRef>
+        </p:style>
+        <p:txBody>
+          <a:bodyPr rtlCol="0" anchor="ctr"/>
+          <a:lstStyle/>
+          <a:p>
+            <a:pPr algn="ctr"/>
+            <a:r>
+              <a:rPr lang="en-US" altLang="zh-TW" sz="1200" dirty="0" smtClean="0"/>
+              <a:t>Spark Streaming</a:t>
+            </a:r>
+            <a:endParaRPr lang="zh-TW" altLang="en-US" sz="1200" dirty="0"/>
+          </a:p>
+        </p:txBody>
+      </p:sp>
+      <p:sp>
+        <p:nvSpPr>
+          <p:cNvPr id="4" name="流程圖: 替代程序 3"/>
+          <p:cNvSpPr/>
+          <p:nvPr/>
+        </p:nvSpPr>
+        <p:spPr>
+          <a:xfrm>
+            <a:off x="3331831" y="1455237"/>
+            <a:ext cx="1800000" cy="432000"/>
+          </a:xfrm>
+          <a:prstGeom prst="flowChartAlternateProcess">
+            <a:avLst/>
+          </a:prstGeom>
+        </p:spPr>
+        <p:style>
+          <a:lnRef idx="2">
+            <a:schemeClr val="dk1"/>
+          </a:lnRef>
+          <a:fillRef idx="1">
+            <a:schemeClr val="lt1"/>
+          </a:fillRef>
+          <a:effectRef idx="0">
+            <a:schemeClr val="dk1"/>
+          </a:effectRef>
+          <a:fontRef idx="minor">
+            <a:schemeClr val="dk1"/>
+          </a:fontRef>
+        </p:style>
+        <p:txBody>
+          <a:bodyPr rtlCol="0" anchor="ctr"/>
+          <a:lstStyle/>
+          <a:p>
+            <a:pPr algn="ctr"/>
+            <a:r>
+              <a:rPr lang="en-US" altLang="zh-TW" sz="1200" dirty="0" smtClean="0"/>
+              <a:t>Data Transform</a:t>
+            </a:r>
+          </a:p>
+          <a:p>
+            <a:pPr algn="ctr"/>
+            <a:r>
+              <a:rPr lang="en-US" altLang="zh-TW" sz="1200" dirty="0" smtClean="0"/>
+              <a:t>(mapWithState)</a:t>
+            </a:r>
+            <a:endParaRPr lang="zh-TW" altLang="en-US" sz="1200" dirty="0"/>
+          </a:p>
+        </p:txBody>
+      </p:sp>
+      <p:sp>
+        <p:nvSpPr>
+          <p:cNvPr id="5" name="流程圖: 決策 4"/>
+          <p:cNvSpPr/>
+          <p:nvPr/>
+        </p:nvSpPr>
+        <p:spPr>
+          <a:xfrm>
+            <a:off x="2869722" y="2140200"/>
+            <a:ext cx="2724218" cy="522029"/>
+          </a:xfrm>
+          <a:prstGeom prst="flowChartDecision">
+            <a:avLst/>
+          </a:prstGeom>
+        </p:spPr>
+        <p:style>
+          <a:lnRef idx="2">
+            <a:schemeClr val="dk1"/>
+          </a:lnRef>
+          <a:fillRef idx="1">
+            <a:schemeClr val="lt1"/>
+          </a:fillRef>
+          <a:effectRef idx="0">
+            <a:schemeClr val="dk1"/>
+          </a:effectRef>
+          <a:fontRef idx="minor">
+            <a:schemeClr val="dk1"/>
+          </a:fontRef>
+        </p:style>
+        <p:txBody>
+          <a:bodyPr rtlCol="0" anchor="ctr"/>
+          <a:lstStyle/>
+          <a:p>
+            <a:pPr algn="ctr"/>
+            <a:r>
+              <a:rPr lang="en-US" altLang="zh-TW" sz="1200" dirty="0" smtClean="0"/>
+              <a:t>Check Previous </a:t>
+            </a:r>
+            <a:r>
+              <a:rPr lang="en-US" altLang="zh-TW" sz="1200" dirty="0"/>
+              <a:t>S</a:t>
+            </a:r>
+            <a:r>
+              <a:rPr lang="en-US" altLang="zh-TW" sz="1200" dirty="0" smtClean="0"/>
+              <a:t>tate</a:t>
+            </a:r>
+            <a:endParaRPr lang="zh-TW" altLang="en-US" sz="1200" dirty="0"/>
+          </a:p>
+        </p:txBody>
+      </p:sp>
+      <p:sp>
+        <p:nvSpPr>
+          <p:cNvPr id="6" name="流程圖: 替代程序 5"/>
+          <p:cNvSpPr/>
+          <p:nvPr/>
+        </p:nvSpPr>
+        <p:spPr>
+          <a:xfrm>
+            <a:off x="6460766" y="2221214"/>
+            <a:ext cx="1260000" cy="360000"/>
+          </a:xfrm>
+          <a:prstGeom prst="flowChartAlternateProcess">
+            <a:avLst/>
+          </a:prstGeom>
+        </p:spPr>
+        <p:style>
+          <a:lnRef idx="2">
+            <a:schemeClr val="dk1"/>
+          </a:lnRef>
+          <a:fillRef idx="1">
+            <a:schemeClr val="lt1"/>
+          </a:fillRef>
+          <a:effectRef idx="0">
+            <a:schemeClr val="dk1"/>
+          </a:effectRef>
+          <a:fontRef idx="minor">
+            <a:schemeClr val="dk1"/>
+          </a:fontRef>
+        </p:style>
+        <p:txBody>
+          <a:bodyPr rtlCol="0" anchor="ctr"/>
+          <a:lstStyle/>
+          <a:p>
+            <a:pPr algn="ctr"/>
+            <a:r>
+              <a:rPr lang="en-US" altLang="zh-TW" sz="1200" dirty="0" smtClean="0"/>
+              <a:t>Initial Data </a:t>
+            </a:r>
+            <a:r>
+              <a:rPr lang="en-US" altLang="zh-TW" sz="1200" dirty="0"/>
+              <a:t>S</a:t>
+            </a:r>
+            <a:r>
+              <a:rPr lang="en-US" altLang="zh-TW" sz="1200" dirty="0" smtClean="0"/>
+              <a:t>tate</a:t>
+            </a:r>
+            <a:endParaRPr lang="zh-TW" altLang="en-US" sz="1200" dirty="0"/>
+          </a:p>
+        </p:txBody>
+      </p:sp>
+      <p:sp>
+        <p:nvSpPr>
+          <p:cNvPr id="7" name="流程圖: 替代程序 6"/>
+          <p:cNvSpPr/>
+          <p:nvPr/>
+        </p:nvSpPr>
+        <p:spPr>
+          <a:xfrm>
+            <a:off x="3025831" y="5134756"/>
+            <a:ext cx="2412000" cy="720000"/>
+          </a:xfrm>
+          <a:prstGeom prst="flowChartAlternateProcess">
+            <a:avLst/>
+          </a:prstGeom>
+        </p:spPr>
+        <p:style>
+          <a:lnRef idx="2">
+            <a:schemeClr val="dk1"/>
+          </a:lnRef>
+          <a:fillRef idx="1">
+            <a:schemeClr val="lt1"/>
+          </a:fillRef>
+          <a:effectRef idx="0">
+            <a:schemeClr val="dk1"/>
+          </a:effectRef>
+          <a:fontRef idx="minor">
+            <a:schemeClr val="dk1"/>
+          </a:fontRef>
+        </p:style>
+        <p:txBody>
+          <a:bodyPr rtlCol="0" anchor="ctr"/>
+          <a:lstStyle/>
+          <a:p>
+            <a:pPr algn="ctr"/>
+            <a:r>
+              <a:rPr lang="en-US" altLang="zh-TW" sz="1200" dirty="0"/>
+              <a:t>trigger the alert functions, sending warning message</a:t>
+            </a:r>
+            <a:endParaRPr lang="zh-TW" altLang="en-US" sz="1200" dirty="0"/>
+          </a:p>
+        </p:txBody>
+      </p:sp>
+      <p:cxnSp>
+        <p:nvCxnSpPr>
+          <p:cNvPr id="8" name="直線單箭頭接點 7"/>
+          <p:cNvCxnSpPr>
+            <a:stCxn id="2" idx="2"/>
+            <a:endCxn id="3" idx="0"/>
+          </p:cNvCxnSpPr>
+          <p:nvPr/>
+        </p:nvCxnSpPr>
+        <p:spPr>
+          <a:xfrm>
+            <a:off x="4231831" y="661311"/>
+            <a:ext cx="0" cy="252963"/>
+          </a:xfrm>
+          <a:prstGeom prst="straightConnector1">
+            <a:avLst/>
+          </a:prstGeom>
+          <a:ln>
+            <a:tailEnd type="triangle"/>
+          </a:ln>
+        </p:spPr>
+        <p:style>
+          <a:lnRef idx="1">
+            <a:schemeClr val="dk1"/>
+          </a:lnRef>
+          <a:fillRef idx="0">
+            <a:schemeClr val="dk1"/>
+          </a:fillRef>
+          <a:effectRef idx="0">
+            <a:schemeClr val="dk1"/>
+          </a:effectRef>
+          <a:fontRef idx="minor">
+            <a:schemeClr val="tx1"/>
+          </a:fontRef>
+        </p:style>
+      </p:cxnSp>
+      <p:cxnSp>
+        <p:nvCxnSpPr>
+          <p:cNvPr id="9" name="直線單箭頭接點 8"/>
+          <p:cNvCxnSpPr>
+            <a:stCxn id="3" idx="2"/>
+            <a:endCxn id="4" idx="0"/>
+          </p:cNvCxnSpPr>
+          <p:nvPr/>
+        </p:nvCxnSpPr>
+        <p:spPr>
+          <a:xfrm>
+            <a:off x="4231831" y="1202274"/>
+            <a:ext cx="0" cy="252963"/>
+          </a:xfrm>
+          <a:prstGeom prst="straightConnector1">
+            <a:avLst/>
+          </a:prstGeom>
+          <a:ln>
+            <a:tailEnd type="triangle"/>
+          </a:ln>
+        </p:spPr>
+        <p:style>
+          <a:lnRef idx="1">
+            <a:schemeClr val="dk1"/>
+          </a:lnRef>
+          <a:fillRef idx="0">
+            <a:schemeClr val="dk1"/>
+          </a:fillRef>
+          <a:effectRef idx="0">
+            <a:schemeClr val="dk1"/>
+          </a:effectRef>
+          <a:fontRef idx="minor">
+            <a:schemeClr val="tx1"/>
+          </a:fontRef>
+        </p:style>
+      </p:cxnSp>
+      <p:cxnSp>
+        <p:nvCxnSpPr>
+          <p:cNvPr id="10" name="直線單箭頭接點 9"/>
+          <p:cNvCxnSpPr>
+            <a:stCxn id="4" idx="2"/>
+            <a:endCxn id="5" idx="0"/>
+          </p:cNvCxnSpPr>
+          <p:nvPr/>
+        </p:nvCxnSpPr>
+        <p:spPr>
+          <a:xfrm>
+            <a:off x="4231831" y="1887237"/>
+            <a:ext cx="0" cy="252963"/>
+          </a:xfrm>
+          <a:prstGeom prst="straightConnector1">
+            <a:avLst/>
+          </a:prstGeom>
+          <a:ln>
+            <a:tailEnd type="triangle"/>
+          </a:ln>
+        </p:spPr>
+        <p:style>
+          <a:lnRef idx="1">
+            <a:schemeClr val="dk1"/>
+          </a:lnRef>
+          <a:fillRef idx="0">
+            <a:schemeClr val="dk1"/>
+          </a:fillRef>
+          <a:effectRef idx="0">
+            <a:schemeClr val="dk1"/>
+          </a:effectRef>
+          <a:fontRef idx="minor">
+            <a:schemeClr val="tx1"/>
+          </a:fontRef>
+        </p:style>
+      </p:cxnSp>
+      <p:cxnSp>
+        <p:nvCxnSpPr>
+          <p:cNvPr id="11" name="直線單箭頭接點 10"/>
+          <p:cNvCxnSpPr>
+            <a:stCxn id="5" idx="2"/>
+            <a:endCxn id="21" idx="0"/>
+          </p:cNvCxnSpPr>
+          <p:nvPr/>
+        </p:nvCxnSpPr>
+        <p:spPr>
+          <a:xfrm>
+            <a:off x="4231831" y="2662229"/>
+            <a:ext cx="0" cy="252963"/>
+          </a:xfrm>
+          <a:prstGeom prst="straightConnector1">
+            <a:avLst/>
+          </a:prstGeom>
+          <a:ln>
+            <a:tailEnd type="triangle"/>
+          </a:ln>
+        </p:spPr>
+        <p:style>
+          <a:lnRef idx="1">
+            <a:schemeClr val="dk1"/>
+          </a:lnRef>
+          <a:fillRef idx="0">
+            <a:schemeClr val="dk1"/>
+          </a:fillRef>
+          <a:effectRef idx="0">
+            <a:schemeClr val="dk1"/>
+          </a:effectRef>
+          <a:fontRef idx="minor">
+            <a:schemeClr val="tx1"/>
+          </a:fontRef>
+        </p:style>
+      </p:cxnSp>
+      <p:cxnSp>
+        <p:nvCxnSpPr>
+          <p:cNvPr id="12" name="直線單箭頭接點 11"/>
+          <p:cNvCxnSpPr>
+            <a:stCxn id="5" idx="3"/>
+            <a:endCxn id="6" idx="1"/>
+          </p:cNvCxnSpPr>
+          <p:nvPr/>
+        </p:nvCxnSpPr>
+        <p:spPr>
+          <a:xfrm flipV="1">
+            <a:off x="5593940" y="2401214"/>
+            <a:ext cx="866826" cy="1"/>
+          </a:xfrm>
+          <a:prstGeom prst="straightConnector1">
+            <a:avLst/>
+          </a:prstGeom>
+          <a:ln>
+            <a:tailEnd type="triangle"/>
+          </a:ln>
+        </p:spPr>
+        <p:style>
+          <a:lnRef idx="1">
+            <a:schemeClr val="dk1"/>
+          </a:lnRef>
+          <a:fillRef idx="0">
+            <a:schemeClr val="dk1"/>
+          </a:fillRef>
+          <a:effectRef idx="0">
+            <a:schemeClr val="dk1"/>
+          </a:effectRef>
+          <a:fontRef idx="minor">
+            <a:schemeClr val="tx1"/>
+          </a:fontRef>
+        </p:style>
+      </p:cxnSp>
+      <p:sp>
+        <p:nvSpPr>
+          <p:cNvPr id="13" name="文字方塊 12"/>
+          <p:cNvSpPr txBox="1"/>
+          <p:nvPr/>
+        </p:nvSpPr>
+        <p:spPr>
+          <a:xfrm>
+            <a:off x="5528058" y="4303147"/>
+            <a:ext cx="497957" cy="276999"/>
+          </a:xfrm>
+          <a:prstGeom prst="rect">
+            <a:avLst/>
+          </a:prstGeom>
+          <a:noFill/>
+        </p:spPr>
+        <p:txBody>
+          <a:bodyPr wrap="none" rtlCol="0">
+            <a:spAutoFit/>
+          </a:bodyPr>
+          <a:lstStyle/>
+          <a:p>
+            <a:r>
+              <a:rPr lang="en-US" altLang="zh-TW" sz="1200" dirty="0" smtClean="0"/>
+              <a:t>False</a:t>
+            </a:r>
+            <a:endParaRPr lang="zh-TW" altLang="en-US" sz="1200" dirty="0"/>
+          </a:p>
+        </p:txBody>
+      </p:sp>
+      <p:sp>
+        <p:nvSpPr>
+          <p:cNvPr id="14" name="文字方塊 13"/>
+          <p:cNvSpPr txBox="1"/>
+          <p:nvPr/>
+        </p:nvSpPr>
+        <p:spPr>
+          <a:xfrm>
+            <a:off x="4206952" y="4825176"/>
+            <a:ext cx="460447" cy="276999"/>
+          </a:xfrm>
+          <a:prstGeom prst="rect">
+            <a:avLst/>
+          </a:prstGeom>
+          <a:noFill/>
+        </p:spPr>
+        <p:txBody>
+          <a:bodyPr wrap="none" rtlCol="0">
+            <a:spAutoFit/>
+          </a:bodyPr>
+          <a:lstStyle/>
+          <a:p>
+            <a:r>
+              <a:rPr lang="en-US" altLang="zh-TW" sz="1200" dirty="0" smtClean="0"/>
+              <a:t>True</a:t>
+            </a:r>
+            <a:endParaRPr lang="zh-TW" altLang="en-US" sz="1200" dirty="0"/>
+          </a:p>
+        </p:txBody>
+      </p:sp>
+      <p:sp>
+        <p:nvSpPr>
+          <p:cNvPr id="21" name="流程圖: 決策 20"/>
+          <p:cNvSpPr/>
+          <p:nvPr/>
+        </p:nvSpPr>
+        <p:spPr>
+          <a:xfrm>
+            <a:off x="2869722" y="2915192"/>
+            <a:ext cx="2724218" cy="522029"/>
+          </a:xfrm>
+          <a:prstGeom prst="flowChartDecision">
+            <a:avLst/>
+          </a:prstGeom>
+        </p:spPr>
+        <p:style>
+          <a:lnRef idx="2">
+            <a:schemeClr val="dk1"/>
+          </a:lnRef>
+          <a:fillRef idx="1">
+            <a:schemeClr val="lt1"/>
+          </a:fillRef>
+          <a:effectRef idx="0">
+            <a:schemeClr val="dk1"/>
+          </a:effectRef>
+          <a:fontRef idx="minor">
+            <a:schemeClr val="dk1"/>
+          </a:fontRef>
+        </p:style>
+        <p:txBody>
+          <a:bodyPr rtlCol="0" anchor="ctr"/>
+          <a:lstStyle/>
+          <a:p>
+            <a:pPr algn="ctr"/>
+            <a:r>
+              <a:rPr lang="en-US" altLang="zh-TW" sz="1200" dirty="0" smtClean="0"/>
+              <a:t>Check the Number of </a:t>
+            </a:r>
+            <a:r>
+              <a:rPr lang="en-US" altLang="zh-TW" sz="1200" dirty="0"/>
+              <a:t>T</a:t>
+            </a:r>
+            <a:r>
+              <a:rPr lang="en-US" altLang="zh-TW" sz="1200" dirty="0" smtClean="0"/>
+              <a:t>raining Sample</a:t>
+            </a:r>
+            <a:endParaRPr lang="zh-TW" altLang="en-US" sz="1200" dirty="0"/>
+          </a:p>
+        </p:txBody>
+      </p:sp>
+      <p:sp>
+        <p:nvSpPr>
+          <p:cNvPr id="22" name="流程圖: 替代程序 21"/>
+          <p:cNvSpPr/>
+          <p:nvPr/>
+        </p:nvSpPr>
+        <p:spPr>
+          <a:xfrm>
+            <a:off x="1509150" y="3690184"/>
+            <a:ext cx="1152000" cy="360000"/>
+          </a:xfrm>
+          <a:prstGeom prst="flowChartAlternateProcess">
+            <a:avLst/>
+          </a:prstGeom>
+        </p:spPr>
+        <p:style>
+          <a:lnRef idx="2">
+            <a:schemeClr val="dk1"/>
+          </a:lnRef>
+          <a:fillRef idx="1">
+            <a:schemeClr val="lt1"/>
+          </a:fillRef>
+          <a:effectRef idx="0">
+            <a:schemeClr val="dk1"/>
+          </a:effectRef>
+          <a:fontRef idx="minor">
+            <a:schemeClr val="dk1"/>
+          </a:fontRef>
+        </p:style>
+        <p:txBody>
+          <a:bodyPr rtlCol="0" anchor="ctr"/>
+          <a:lstStyle/>
+          <a:p>
+            <a:pPr algn="ctr"/>
+            <a:r>
+              <a:rPr lang="en-US" altLang="zh-TW" sz="1200" dirty="0" smtClean="0"/>
+              <a:t>Previous State</a:t>
+            </a:r>
+            <a:endParaRPr lang="zh-TW" altLang="en-US" sz="1200" dirty="0"/>
+          </a:p>
+        </p:txBody>
+      </p:sp>
+      <p:sp>
+        <p:nvSpPr>
+          <p:cNvPr id="23" name="流程圖: 替代程序 22"/>
+          <p:cNvSpPr/>
+          <p:nvPr/>
+        </p:nvSpPr>
+        <p:spPr>
+          <a:xfrm>
+            <a:off x="6226766" y="2906206"/>
+            <a:ext cx="1728000" cy="540000"/>
+          </a:xfrm>
+          <a:prstGeom prst="flowChartAlternateProcess">
+            <a:avLst/>
+          </a:prstGeom>
+        </p:spPr>
+        <p:style>
+          <a:lnRef idx="2">
+            <a:schemeClr val="dk1"/>
+          </a:lnRef>
+          <a:fillRef idx="1">
+            <a:schemeClr val="lt1"/>
+          </a:fillRef>
+          <a:effectRef idx="0">
+            <a:schemeClr val="dk1"/>
+          </a:effectRef>
+          <a:fontRef idx="minor">
+            <a:schemeClr val="dk1"/>
+          </a:fontRef>
+        </p:style>
+        <p:txBody>
+          <a:bodyPr rtlCol="0" anchor="ctr"/>
+          <a:lstStyle/>
+          <a:p>
+            <a:pPr algn="ctr"/>
+            <a:r>
+              <a:rPr lang="en-US" altLang="zh-TW" sz="1200" dirty="0" smtClean="0"/>
+              <a:t>Compute Mean and SD, Update Data State</a:t>
+            </a:r>
+            <a:endParaRPr lang="zh-TW" altLang="en-US" sz="1200" dirty="0"/>
+          </a:p>
+        </p:txBody>
+      </p:sp>
+      <p:sp>
+        <p:nvSpPr>
+          <p:cNvPr id="24" name="流程圖: 替代程序 23"/>
+          <p:cNvSpPr/>
+          <p:nvPr/>
+        </p:nvSpPr>
+        <p:spPr>
+          <a:xfrm>
+            <a:off x="3547831" y="3690184"/>
+            <a:ext cx="1368000" cy="360000"/>
+          </a:xfrm>
+          <a:prstGeom prst="flowChartAlternateProcess">
+            <a:avLst/>
+          </a:prstGeom>
+        </p:spPr>
+        <p:style>
+          <a:lnRef idx="2">
+            <a:schemeClr val="dk1"/>
+          </a:lnRef>
+          <a:fillRef idx="1">
+            <a:schemeClr val="lt1"/>
+          </a:fillRef>
+          <a:effectRef idx="0">
+            <a:schemeClr val="dk1"/>
+          </a:effectRef>
+          <a:fontRef idx="minor">
+            <a:schemeClr val="dk1"/>
+          </a:fontRef>
+        </p:style>
+        <p:txBody>
+          <a:bodyPr rtlCol="0" anchor="ctr"/>
+          <a:lstStyle/>
+          <a:p>
+            <a:pPr algn="ctr"/>
+            <a:r>
+              <a:rPr lang="en-US" altLang="zh-TW" sz="1200" dirty="0" smtClean="0"/>
+              <a:t>Get Normal Range</a:t>
+            </a:r>
+            <a:endParaRPr lang="zh-TW" altLang="en-US" sz="1200" dirty="0"/>
+          </a:p>
+        </p:txBody>
+      </p:sp>
+      <p:sp>
+        <p:nvSpPr>
+          <p:cNvPr id="25" name="文字方塊 24"/>
+          <p:cNvSpPr txBox="1"/>
+          <p:nvPr/>
+        </p:nvSpPr>
+        <p:spPr>
+          <a:xfrm>
+            <a:off x="1641663" y="3413185"/>
+            <a:ext cx="886974" cy="276999"/>
+          </a:xfrm>
+          <a:prstGeom prst="rect">
+            <a:avLst/>
+          </a:prstGeom>
+          <a:noFill/>
+        </p:spPr>
+        <p:txBody>
+          <a:bodyPr wrap="none" rtlCol="0">
+            <a:spAutoFit/>
+          </a:bodyPr>
+          <a:lstStyle/>
+          <a:p>
+            <a:r>
+              <a:rPr lang="en-US" altLang="zh-TW" sz="1200" dirty="0" smtClean="0"/>
+              <a:t>Checkpoint</a:t>
+            </a:r>
+            <a:endParaRPr lang="zh-TW" altLang="en-US" sz="1200" dirty="0"/>
+          </a:p>
+        </p:txBody>
+      </p:sp>
+      <p:sp>
+        <p:nvSpPr>
+          <p:cNvPr id="26" name="流程圖: 決策 25"/>
+          <p:cNvSpPr/>
+          <p:nvPr/>
+        </p:nvSpPr>
+        <p:spPr>
+          <a:xfrm>
+            <a:off x="2869722" y="4303147"/>
+            <a:ext cx="2724218" cy="522029"/>
+          </a:xfrm>
+          <a:prstGeom prst="flowChartDecision">
+            <a:avLst/>
+          </a:prstGeom>
+        </p:spPr>
+        <p:style>
+          <a:lnRef idx="2">
+            <a:schemeClr val="dk1"/>
+          </a:lnRef>
+          <a:fillRef idx="1">
+            <a:schemeClr val="lt1"/>
+          </a:fillRef>
+          <a:effectRef idx="0">
+            <a:schemeClr val="dk1"/>
+          </a:effectRef>
+          <a:fontRef idx="minor">
+            <a:schemeClr val="dk1"/>
+          </a:fontRef>
+        </p:style>
+        <p:txBody>
+          <a:bodyPr rtlCol="0" anchor="ctr"/>
+          <a:lstStyle/>
+          <a:p>
+            <a:pPr algn="ctr"/>
+            <a:r>
+              <a:rPr lang="en-US" altLang="zh-TW" sz="1200" dirty="0"/>
+              <a:t>Out of </a:t>
+            </a:r>
+            <a:r>
+              <a:rPr lang="en-US" altLang="zh-TW" sz="1200" dirty="0" smtClean="0"/>
+              <a:t>3*SD </a:t>
+            </a:r>
+            <a:r>
+              <a:rPr lang="en-US" altLang="zh-TW" sz="1200" dirty="0"/>
+              <a:t>Range</a:t>
+            </a:r>
+            <a:endParaRPr lang="zh-TW" altLang="en-US" sz="1200" dirty="0"/>
+          </a:p>
+        </p:txBody>
+      </p:sp>
+      <p:cxnSp>
+        <p:nvCxnSpPr>
+          <p:cNvPr id="36" name="直線單箭頭接點 35"/>
+          <p:cNvCxnSpPr>
+            <a:endCxn id="24" idx="0"/>
+          </p:cNvCxnSpPr>
+          <p:nvPr/>
+        </p:nvCxnSpPr>
+        <p:spPr>
+          <a:xfrm>
+            <a:off x="4231831" y="3446206"/>
+            <a:ext cx="0" cy="243978"/>
+          </a:xfrm>
+          <a:prstGeom prst="straightConnector1">
+            <a:avLst/>
+          </a:prstGeom>
+          <a:ln>
+            <a:tailEnd type="triangle"/>
+          </a:ln>
+        </p:spPr>
+        <p:style>
+          <a:lnRef idx="1">
+            <a:schemeClr val="dk1"/>
+          </a:lnRef>
+          <a:fillRef idx="0">
+            <a:schemeClr val="dk1"/>
+          </a:fillRef>
+          <a:effectRef idx="0">
+            <a:schemeClr val="dk1"/>
+          </a:effectRef>
+          <a:fontRef idx="minor">
+            <a:schemeClr val="tx1"/>
+          </a:fontRef>
+        </p:style>
+      </p:cxnSp>
+      <p:cxnSp>
+        <p:nvCxnSpPr>
+          <p:cNvPr id="39" name="直線單箭頭接點 38"/>
+          <p:cNvCxnSpPr>
+            <a:stCxn id="24" idx="2"/>
+            <a:endCxn id="26" idx="0"/>
+          </p:cNvCxnSpPr>
+          <p:nvPr/>
+        </p:nvCxnSpPr>
+        <p:spPr>
+          <a:xfrm>
+            <a:off x="4231831" y="4050184"/>
+            <a:ext cx="0" cy="252963"/>
+          </a:xfrm>
+          <a:prstGeom prst="straightConnector1">
+            <a:avLst/>
+          </a:prstGeom>
+          <a:ln>
+            <a:tailEnd type="triangle"/>
+          </a:ln>
+        </p:spPr>
+        <p:style>
+          <a:lnRef idx="1">
+            <a:schemeClr val="dk1"/>
+          </a:lnRef>
+          <a:fillRef idx="0">
+            <a:schemeClr val="dk1"/>
+          </a:fillRef>
+          <a:effectRef idx="0">
+            <a:schemeClr val="dk1"/>
+          </a:effectRef>
+          <a:fontRef idx="minor">
+            <a:schemeClr val="tx1"/>
+          </a:fontRef>
+        </p:style>
+      </p:cxnSp>
+      <p:cxnSp>
+        <p:nvCxnSpPr>
+          <p:cNvPr id="42" name="直線單箭頭接點 41"/>
+          <p:cNvCxnSpPr>
+            <a:stCxn id="26" idx="2"/>
+            <a:endCxn id="66" idx="0"/>
+          </p:cNvCxnSpPr>
+          <p:nvPr/>
+        </p:nvCxnSpPr>
+        <p:spPr>
+          <a:xfrm>
+            <a:off x="4231831" y="4825176"/>
+            <a:ext cx="0" cy="302711"/>
+          </a:xfrm>
+          <a:prstGeom prst="straightConnector1">
+            <a:avLst/>
+          </a:prstGeom>
+          <a:ln>
+            <a:tailEnd type="triangle"/>
+          </a:ln>
+        </p:spPr>
+        <p:style>
+          <a:lnRef idx="1">
+            <a:schemeClr val="dk1"/>
+          </a:lnRef>
+          <a:fillRef idx="0">
+            <a:schemeClr val="dk1"/>
+          </a:fillRef>
+          <a:effectRef idx="0">
+            <a:schemeClr val="dk1"/>
+          </a:effectRef>
+          <a:fontRef idx="minor">
+            <a:schemeClr val="tx1"/>
+          </a:fontRef>
+        </p:style>
+      </p:cxnSp>
+      <p:cxnSp>
+        <p:nvCxnSpPr>
+          <p:cNvPr id="47" name="直線單箭頭接點 46"/>
+          <p:cNvCxnSpPr>
+            <a:stCxn id="21" idx="3"/>
+            <a:endCxn id="23" idx="1"/>
+          </p:cNvCxnSpPr>
+          <p:nvPr/>
+        </p:nvCxnSpPr>
+        <p:spPr>
+          <a:xfrm flipV="1">
+            <a:off x="5593940" y="3176206"/>
+            <a:ext cx="632826" cy="1"/>
+          </a:xfrm>
+          <a:prstGeom prst="straightConnector1">
+            <a:avLst/>
+          </a:prstGeom>
+          <a:ln>
+            <a:tailEnd type="triangle"/>
+          </a:ln>
+        </p:spPr>
+        <p:style>
+          <a:lnRef idx="1">
+            <a:schemeClr val="dk1"/>
+          </a:lnRef>
+          <a:fillRef idx="0">
+            <a:schemeClr val="dk1"/>
+          </a:fillRef>
+          <a:effectRef idx="0">
+            <a:schemeClr val="dk1"/>
+          </a:effectRef>
+          <a:fontRef idx="minor">
+            <a:schemeClr val="tx1"/>
+          </a:fontRef>
+        </p:style>
+      </p:cxnSp>
+      <p:cxnSp>
+        <p:nvCxnSpPr>
+          <p:cNvPr id="50" name="直線單箭頭接點 49"/>
+          <p:cNvCxnSpPr>
+            <a:stCxn id="22" idx="3"/>
+            <a:endCxn id="24" idx="1"/>
+          </p:cNvCxnSpPr>
+          <p:nvPr/>
+        </p:nvCxnSpPr>
+        <p:spPr>
+          <a:xfrm>
+            <a:off x="2661150" y="3870184"/>
+            <a:ext cx="886681" cy="0"/>
+          </a:xfrm>
+          <a:prstGeom prst="straightConnector1">
+            <a:avLst/>
+          </a:prstGeom>
+          <a:ln>
+            <a:tailEnd type="triangle"/>
+          </a:ln>
+        </p:spPr>
+        <p:style>
+          <a:lnRef idx="1">
+            <a:schemeClr val="dk1"/>
+          </a:lnRef>
+          <a:fillRef idx="0">
+            <a:schemeClr val="dk1"/>
+          </a:fillRef>
+          <a:effectRef idx="0">
+            <a:schemeClr val="dk1"/>
+          </a:effectRef>
+          <a:fontRef idx="minor">
+            <a:schemeClr val="tx1"/>
+          </a:fontRef>
+        </p:style>
+      </p:cxnSp>
+      <p:sp>
+        <p:nvSpPr>
+          <p:cNvPr id="57" name="文字方塊 56"/>
+          <p:cNvSpPr txBox="1"/>
+          <p:nvPr/>
+        </p:nvSpPr>
+        <p:spPr>
+          <a:xfrm>
+            <a:off x="5661374" y="2173191"/>
+            <a:ext cx="497957" cy="276999"/>
+          </a:xfrm>
+          <a:prstGeom prst="rect">
+            <a:avLst/>
+          </a:prstGeom>
+          <a:noFill/>
+        </p:spPr>
+        <p:txBody>
+          <a:bodyPr wrap="none" rtlCol="0">
+            <a:spAutoFit/>
+          </a:bodyPr>
+          <a:lstStyle/>
+          <a:p>
+            <a:r>
+              <a:rPr lang="en-US" altLang="zh-TW" sz="1200" dirty="0" smtClean="0"/>
+              <a:t>False</a:t>
+            </a:r>
+            <a:endParaRPr lang="zh-TW" altLang="en-US" sz="1200" dirty="0"/>
+          </a:p>
+        </p:txBody>
+      </p:sp>
+      <p:sp>
+        <p:nvSpPr>
+          <p:cNvPr id="58" name="文字方塊 57"/>
+          <p:cNvSpPr txBox="1"/>
+          <p:nvPr/>
+        </p:nvSpPr>
+        <p:spPr>
+          <a:xfrm>
+            <a:off x="4231831" y="2618754"/>
+            <a:ext cx="473078" cy="276999"/>
+          </a:xfrm>
+          <a:prstGeom prst="rect">
+            <a:avLst/>
+          </a:prstGeom>
+          <a:noFill/>
+        </p:spPr>
+        <p:txBody>
+          <a:bodyPr wrap="none" rtlCol="0">
+            <a:spAutoFit/>
+          </a:bodyPr>
+          <a:lstStyle/>
+          <a:p>
+            <a:r>
+              <a:rPr lang="en-US" altLang="zh-TW" sz="1200" dirty="0" smtClean="0"/>
+              <a:t>Exist</a:t>
+            </a:r>
+            <a:endParaRPr lang="zh-TW" altLang="en-US" sz="1200" dirty="0"/>
+          </a:p>
+        </p:txBody>
+      </p:sp>
+      <p:sp>
+        <p:nvSpPr>
+          <p:cNvPr id="59" name="文字方塊 58"/>
+          <p:cNvSpPr txBox="1"/>
+          <p:nvPr/>
+        </p:nvSpPr>
+        <p:spPr>
+          <a:xfrm>
+            <a:off x="5661374" y="2948444"/>
+            <a:ext cx="497957" cy="276999"/>
+          </a:xfrm>
+          <a:prstGeom prst="rect">
+            <a:avLst/>
+          </a:prstGeom>
+          <a:noFill/>
+        </p:spPr>
+        <p:txBody>
+          <a:bodyPr wrap="none" rtlCol="0">
+            <a:spAutoFit/>
+          </a:bodyPr>
+          <a:lstStyle/>
+          <a:p>
+            <a:r>
+              <a:rPr lang="en-US" altLang="zh-TW" sz="1200" dirty="0" smtClean="0"/>
+              <a:t>False</a:t>
+            </a:r>
+            <a:endParaRPr lang="zh-TW" altLang="en-US" sz="1200" dirty="0"/>
+          </a:p>
+        </p:txBody>
+      </p:sp>
+      <p:sp>
+        <p:nvSpPr>
+          <p:cNvPr id="60" name="文字方塊 59"/>
+          <p:cNvSpPr txBox="1"/>
+          <p:nvPr/>
+        </p:nvSpPr>
+        <p:spPr>
+          <a:xfrm>
+            <a:off x="4206952" y="3401386"/>
+            <a:ext cx="654346" cy="276999"/>
+          </a:xfrm>
+          <a:prstGeom prst="rect">
+            <a:avLst/>
+          </a:prstGeom>
+          <a:noFill/>
+        </p:spPr>
+        <p:txBody>
+          <a:bodyPr wrap="none" rtlCol="0">
+            <a:spAutoFit/>
+          </a:bodyPr>
+          <a:lstStyle/>
+          <a:p>
+            <a:r>
+              <a:rPr lang="en-US" altLang="zh-TW" sz="1200" dirty="0" smtClean="0"/>
+              <a:t>Enough</a:t>
+            </a:r>
+            <a:endParaRPr lang="zh-TW" altLang="en-US" sz="1200" dirty="0"/>
+          </a:p>
+        </p:txBody>
+      </p:sp>
+      <p:cxnSp>
+        <p:nvCxnSpPr>
+          <p:cNvPr id="18" name="直線接點 17"/>
+          <p:cNvCxnSpPr>
+            <a:stCxn id="26" idx="3"/>
+          </p:cNvCxnSpPr>
+          <p:nvPr/>
+        </p:nvCxnSpPr>
+        <p:spPr>
+          <a:xfrm flipV="1">
+            <a:off x="5593940" y="4564161"/>
+            <a:ext cx="1496826" cy="1"/>
+          </a:xfrm>
+          <a:prstGeom prst="line">
+            <a:avLst/>
+          </a:prstGeom>
+        </p:spPr>
+        <p:style>
+          <a:lnRef idx="1">
+            <a:schemeClr val="dk1"/>
+          </a:lnRef>
+          <a:fillRef idx="0">
+            <a:schemeClr val="dk1"/>
+          </a:fillRef>
+          <a:effectRef idx="0">
+            <a:schemeClr val="dk1"/>
+          </a:effectRef>
+          <a:fontRef idx="minor">
+            <a:schemeClr val="tx1"/>
+          </a:fontRef>
+        </p:style>
+      </p:cxnSp>
+      <p:cxnSp>
+        <p:nvCxnSpPr>
+          <p:cNvPr id="27" name="直線單箭頭接點 26"/>
+          <p:cNvCxnSpPr>
+            <a:endCxn id="23" idx="2"/>
+          </p:cNvCxnSpPr>
+          <p:nvPr/>
+        </p:nvCxnSpPr>
+        <p:spPr>
+          <a:xfrm flipV="1">
+            <a:off x="7090766" y="3446206"/>
+            <a:ext cx="0" cy="1117955"/>
+          </a:xfrm>
+          <a:prstGeom prst="straightConnector1">
+            <a:avLst/>
+          </a:prstGeom>
+          <a:ln>
+            <a:tailEnd type="triangle"/>
+          </a:ln>
+        </p:spPr>
+        <p:style>
+          <a:lnRef idx="1">
+            <a:schemeClr val="dk1"/>
+          </a:lnRef>
+          <a:fillRef idx="0">
+            <a:schemeClr val="dk1"/>
+          </a:fillRef>
+          <a:effectRef idx="0">
+            <a:schemeClr val="dk1"/>
+          </a:effectRef>
+          <a:fontRef idx="minor">
+            <a:schemeClr val="tx1"/>
+          </a:fontRef>
+        </p:style>
+      </p:cxnSp>
+    </p:spTree>
+    <p:extLst>
+      <p:ext uri="{BB962C8B-B14F-4D97-AF65-F5344CB8AC3E}">
+        <p14:creationId xmlns:p14="http://schemas.microsoft.com/office/powerpoint/2010/main" val="1799298591"/>
+      </p:ext>
+    </p:extLst>
+  </p:cSld>
+  <p:clrMapOvr>
+    <a:masterClrMapping/>
+  </p:clrMapOvr>
+  <p:timing>
+    <p:tnLst>
+      <p:par>
+        <p:cTn id="1" dur="indefinite" restart="never" nodeType="tmRoot"/>
+      </p:par>
+    </p:tnLst>
+  </p:timing>
+</p:sld>
+</file>
+
+<file path=ppt/slides/slide26.xml><?xml version="1.0" encoding="utf-8"?>
+<p:sld xmlns:a="http://schemas.openxmlformats.org/drawingml/2006/main" xmlns:r="http://schemas.openxmlformats.org/officeDocument/2006/relationships" xmlns:p="http://schemas.openxmlformats.org/presentationml/2006/main">
+  <p:cSld>
+    <p:spTree>
+      <p:nvGrpSpPr>
+        <p:cNvPr id="1" name=""/>
+        <p:cNvGrpSpPr/>
+        <p:nvPr/>
+      </p:nvGrpSpPr>
+      <p:grpSpPr>
+        <a:xfrm>
+          <a:off x="0" y="0"/>
+          <a:ext cx="0" cy="0"/>
+          <a:chOff x="0" y="0"/>
+          <a:chExt cx="0" cy="0"/>
+        </a:xfrm>
+      </p:grpSpPr>
+      <p:sp>
+        <p:nvSpPr>
+          <p:cNvPr id="13" name="流程圖: 替代程序 12"/>
+          <p:cNvSpPr/>
+          <p:nvPr/>
+        </p:nvSpPr>
+        <p:spPr>
+          <a:xfrm>
+            <a:off x="3691831" y="373311"/>
+            <a:ext cx="1080000" cy="288000"/>
+          </a:xfrm>
+          <a:prstGeom prst="flowChartAlternateProcess">
+            <a:avLst/>
+          </a:prstGeom>
+        </p:spPr>
+        <p:style>
+          <a:lnRef idx="2">
+            <a:schemeClr val="dk1"/>
+          </a:lnRef>
+          <a:fillRef idx="1">
+            <a:schemeClr val="lt1"/>
+          </a:fillRef>
+          <a:effectRef idx="0">
+            <a:schemeClr val="dk1"/>
+          </a:effectRef>
+          <a:fontRef idx="minor">
+            <a:schemeClr val="dk1"/>
+          </a:fontRef>
+        </p:style>
+        <p:txBody>
+          <a:bodyPr rtlCol="0" anchor="ctr"/>
+          <a:lstStyle/>
+          <a:p>
+            <a:pPr algn="ctr"/>
+            <a:r>
+              <a:rPr lang="en-US" altLang="zh-TW" sz="1200" dirty="0" smtClean="0"/>
+              <a:t>MQTT Broker</a:t>
+            </a:r>
+            <a:endParaRPr lang="zh-TW" altLang="en-US" sz="1200" dirty="0"/>
+          </a:p>
+        </p:txBody>
+      </p:sp>
+      <p:sp>
+        <p:nvSpPr>
+          <p:cNvPr id="14" name="流程圖: 替代程序 13"/>
+          <p:cNvSpPr/>
+          <p:nvPr/>
+        </p:nvSpPr>
+        <p:spPr>
+          <a:xfrm>
+            <a:off x="3475831" y="908009"/>
+            <a:ext cx="1512000" cy="288000"/>
+          </a:xfrm>
+          <a:prstGeom prst="flowChartAlternateProcess">
+            <a:avLst/>
+          </a:prstGeom>
+        </p:spPr>
+        <p:style>
+          <a:lnRef idx="2">
+            <a:schemeClr val="dk1"/>
+          </a:lnRef>
+          <a:fillRef idx="1">
+            <a:schemeClr val="lt1"/>
+          </a:fillRef>
+          <a:effectRef idx="0">
+            <a:schemeClr val="dk1"/>
+          </a:effectRef>
+          <a:fontRef idx="minor">
+            <a:schemeClr val="dk1"/>
+          </a:fontRef>
+        </p:style>
+        <p:txBody>
+          <a:bodyPr rtlCol="0" anchor="ctr"/>
+          <a:lstStyle/>
+          <a:p>
+            <a:pPr algn="ctr"/>
+            <a:r>
+              <a:rPr lang="en-US" altLang="zh-TW" sz="1200" dirty="0" smtClean="0"/>
+              <a:t>Streaming Windows</a:t>
+            </a:r>
+            <a:endParaRPr lang="zh-TW" altLang="en-US" sz="1200" dirty="0"/>
+          </a:p>
+        </p:txBody>
+      </p:sp>
+      <p:sp>
+        <p:nvSpPr>
+          <p:cNvPr id="15" name="流程圖: 替代程序 14"/>
+          <p:cNvSpPr/>
+          <p:nvPr/>
+        </p:nvSpPr>
+        <p:spPr>
+          <a:xfrm>
+            <a:off x="3331831" y="1455237"/>
+            <a:ext cx="1800000" cy="432000"/>
+          </a:xfrm>
+          <a:prstGeom prst="flowChartAlternateProcess">
+            <a:avLst/>
+          </a:prstGeom>
+        </p:spPr>
+        <p:style>
+          <a:lnRef idx="2">
+            <a:schemeClr val="dk1"/>
+          </a:lnRef>
+          <a:fillRef idx="1">
+            <a:schemeClr val="lt1"/>
+          </a:fillRef>
+          <a:effectRef idx="0">
+            <a:schemeClr val="dk1"/>
+          </a:effectRef>
+          <a:fontRef idx="minor">
+            <a:schemeClr val="dk1"/>
+          </a:fontRef>
+        </p:style>
+        <p:txBody>
+          <a:bodyPr rtlCol="0" anchor="ctr"/>
+          <a:lstStyle/>
+          <a:p>
+            <a:pPr algn="ctr"/>
+            <a:r>
+              <a:rPr lang="en-US" altLang="zh-TW" sz="1200" dirty="0" smtClean="0"/>
+              <a:t>Data Transform</a:t>
+            </a:r>
+          </a:p>
+          <a:p>
+            <a:pPr algn="ctr"/>
+            <a:r>
+              <a:rPr lang="en-US" altLang="zh-TW" sz="1200" dirty="0" smtClean="0"/>
+              <a:t>(</a:t>
+            </a:r>
+            <a:r>
+              <a:rPr lang="en-US" altLang="zh-TW" sz="1200" dirty="0" err="1" smtClean="0"/>
+              <a:t>foreachRDD</a:t>
+            </a:r>
+            <a:r>
+              <a:rPr lang="en-US" altLang="zh-TW" sz="1200" dirty="0" smtClean="0"/>
+              <a:t>)</a:t>
+            </a:r>
+            <a:endParaRPr lang="zh-TW" altLang="en-US" sz="1200" dirty="0"/>
+          </a:p>
+        </p:txBody>
+      </p:sp>
+      <p:sp>
+        <p:nvSpPr>
+          <p:cNvPr id="16" name="流程圖: 決策 15"/>
+          <p:cNvSpPr/>
+          <p:nvPr/>
+        </p:nvSpPr>
+        <p:spPr>
+          <a:xfrm>
+            <a:off x="2748369" y="2140200"/>
+            <a:ext cx="2966924" cy="604006"/>
+          </a:xfrm>
+          <a:prstGeom prst="flowChartDecision">
+            <a:avLst/>
+          </a:prstGeom>
+        </p:spPr>
+        <p:style>
+          <a:lnRef idx="2">
+            <a:schemeClr val="dk1"/>
+          </a:lnRef>
+          <a:fillRef idx="1">
+            <a:schemeClr val="lt1"/>
+          </a:fillRef>
+          <a:effectRef idx="0">
+            <a:schemeClr val="dk1"/>
+          </a:effectRef>
+          <a:fontRef idx="minor">
+            <a:schemeClr val="dk1"/>
+          </a:fontRef>
+        </p:style>
+        <p:txBody>
+          <a:bodyPr rtlCol="0" anchor="ctr"/>
+          <a:lstStyle/>
+          <a:p>
+            <a:pPr algn="ctr"/>
+            <a:r>
+              <a:rPr lang="en-US" altLang="zh-TW" sz="1200" dirty="0" smtClean="0"/>
+              <a:t>Check Data Segments numbers</a:t>
+            </a:r>
+            <a:endParaRPr lang="zh-TW" altLang="en-US" sz="1200" dirty="0"/>
+          </a:p>
+        </p:txBody>
+      </p:sp>
+      <p:cxnSp>
+        <p:nvCxnSpPr>
+          <p:cNvPr id="17" name="直線單箭頭接點 16"/>
+          <p:cNvCxnSpPr>
+            <a:stCxn id="13" idx="2"/>
+            <a:endCxn id="14" idx="0"/>
+          </p:cNvCxnSpPr>
+          <p:nvPr/>
+        </p:nvCxnSpPr>
+        <p:spPr>
+          <a:xfrm>
+            <a:off x="4231831" y="661311"/>
+            <a:ext cx="0" cy="246698"/>
+          </a:xfrm>
+          <a:prstGeom prst="straightConnector1">
+            <a:avLst/>
+          </a:prstGeom>
+          <a:ln>
+            <a:tailEnd type="triangle"/>
+          </a:ln>
+        </p:spPr>
+        <p:style>
+          <a:lnRef idx="1">
+            <a:schemeClr val="dk1"/>
+          </a:lnRef>
+          <a:fillRef idx="0">
+            <a:schemeClr val="dk1"/>
+          </a:fillRef>
+          <a:effectRef idx="0">
+            <a:schemeClr val="dk1"/>
+          </a:effectRef>
+          <a:fontRef idx="minor">
+            <a:schemeClr val="tx1"/>
+          </a:fontRef>
+        </p:style>
+      </p:cxnSp>
+      <p:cxnSp>
+        <p:nvCxnSpPr>
+          <p:cNvPr id="18" name="直線單箭頭接點 17"/>
+          <p:cNvCxnSpPr>
+            <a:stCxn id="14" idx="2"/>
+            <a:endCxn id="15" idx="0"/>
+          </p:cNvCxnSpPr>
+          <p:nvPr/>
+        </p:nvCxnSpPr>
+        <p:spPr>
+          <a:xfrm>
+            <a:off x="4231831" y="1196009"/>
+            <a:ext cx="0" cy="259228"/>
+          </a:xfrm>
+          <a:prstGeom prst="straightConnector1">
+            <a:avLst/>
+          </a:prstGeom>
+          <a:ln>
+            <a:tailEnd type="triangle"/>
+          </a:ln>
+        </p:spPr>
+        <p:style>
+          <a:lnRef idx="1">
+            <a:schemeClr val="dk1"/>
+          </a:lnRef>
+          <a:fillRef idx="0">
+            <a:schemeClr val="dk1"/>
+          </a:fillRef>
+          <a:effectRef idx="0">
+            <a:schemeClr val="dk1"/>
+          </a:effectRef>
+          <a:fontRef idx="minor">
+            <a:schemeClr val="tx1"/>
+          </a:fontRef>
+        </p:style>
+      </p:cxnSp>
+      <p:cxnSp>
+        <p:nvCxnSpPr>
+          <p:cNvPr id="19" name="直線單箭頭接點 18"/>
+          <p:cNvCxnSpPr>
+            <a:stCxn id="15" idx="2"/>
+            <a:endCxn id="16" idx="0"/>
+          </p:cNvCxnSpPr>
+          <p:nvPr/>
+        </p:nvCxnSpPr>
+        <p:spPr>
+          <a:xfrm>
+            <a:off x="4231831" y="1887237"/>
+            <a:ext cx="0" cy="252963"/>
+          </a:xfrm>
+          <a:prstGeom prst="straightConnector1">
+            <a:avLst/>
+          </a:prstGeom>
+          <a:ln>
+            <a:tailEnd type="triangle"/>
+          </a:ln>
+        </p:spPr>
+        <p:style>
+          <a:lnRef idx="1">
+            <a:schemeClr val="dk1"/>
+          </a:lnRef>
+          <a:fillRef idx="0">
+            <a:schemeClr val="dk1"/>
+          </a:fillRef>
+          <a:effectRef idx="0">
+            <a:schemeClr val="dk1"/>
+          </a:effectRef>
+          <a:fontRef idx="minor">
+            <a:schemeClr val="tx1"/>
+          </a:fontRef>
+        </p:style>
+      </p:cxnSp>
+      <p:cxnSp>
+        <p:nvCxnSpPr>
+          <p:cNvPr id="20" name="直線單箭頭接點 19"/>
+          <p:cNvCxnSpPr>
+            <a:stCxn id="16" idx="2"/>
+          </p:cNvCxnSpPr>
+          <p:nvPr/>
+        </p:nvCxnSpPr>
+        <p:spPr>
+          <a:xfrm>
+            <a:off x="4231831" y="2744206"/>
+            <a:ext cx="0" cy="254865"/>
+          </a:xfrm>
+          <a:prstGeom prst="straightConnector1">
+            <a:avLst/>
+          </a:prstGeom>
+          <a:ln>
+            <a:tailEnd type="triangle"/>
+          </a:ln>
+        </p:spPr>
+        <p:style>
+          <a:lnRef idx="1">
+            <a:schemeClr val="dk1"/>
+          </a:lnRef>
+          <a:fillRef idx="0">
+            <a:schemeClr val="dk1"/>
+          </a:fillRef>
+          <a:effectRef idx="0">
+            <a:schemeClr val="dk1"/>
+          </a:effectRef>
+          <a:fontRef idx="minor">
+            <a:schemeClr val="tx1"/>
+          </a:fontRef>
+        </p:style>
+      </p:cxnSp>
+      <p:sp>
+        <p:nvSpPr>
+          <p:cNvPr id="21" name="文字方塊 20"/>
+          <p:cNvSpPr txBox="1"/>
+          <p:nvPr/>
+        </p:nvSpPr>
+        <p:spPr>
+          <a:xfrm>
+            <a:off x="5088318" y="2915224"/>
+            <a:ext cx="760336" cy="276999"/>
+          </a:xfrm>
+          <a:prstGeom prst="rect">
+            <a:avLst/>
+          </a:prstGeom>
+          <a:noFill/>
+        </p:spPr>
+        <p:txBody>
+          <a:bodyPr wrap="none" rtlCol="0">
+            <a:spAutoFit/>
+          </a:bodyPr>
+          <a:lstStyle/>
+          <a:p>
+            <a:r>
+              <a:rPr lang="en-US" altLang="zh-TW" sz="1200" dirty="0" smtClean="0"/>
+              <a:t>Near at 1</a:t>
+            </a:r>
+            <a:endParaRPr lang="zh-TW" altLang="en-US" sz="1200" dirty="0"/>
+          </a:p>
+        </p:txBody>
+      </p:sp>
+      <p:sp>
+        <p:nvSpPr>
+          <p:cNvPr id="22" name="流程圖: 替代程序 21"/>
+          <p:cNvSpPr/>
+          <p:nvPr/>
+        </p:nvSpPr>
+        <p:spPr>
+          <a:xfrm>
+            <a:off x="3421831" y="2997169"/>
+            <a:ext cx="1620000" cy="360000"/>
+          </a:xfrm>
+          <a:prstGeom prst="flowChartAlternateProcess">
+            <a:avLst/>
+          </a:prstGeom>
+        </p:spPr>
+        <p:style>
+          <a:lnRef idx="2">
+            <a:schemeClr val="dk1"/>
+          </a:lnRef>
+          <a:fillRef idx="1">
+            <a:schemeClr val="lt1"/>
+          </a:fillRef>
+          <a:effectRef idx="0">
+            <a:schemeClr val="dk1"/>
+          </a:effectRef>
+          <a:fontRef idx="minor">
+            <a:schemeClr val="dk1"/>
+          </a:fontRef>
+        </p:style>
+        <p:txBody>
+          <a:bodyPr rtlCol="0" anchor="ctr"/>
+          <a:lstStyle/>
+          <a:p>
+            <a:pPr algn="ctr"/>
+            <a:r>
+              <a:rPr lang="en-US" altLang="zh-TW" sz="1200" dirty="0" smtClean="0"/>
+              <a:t>Training LOF Module</a:t>
+            </a:r>
+            <a:endParaRPr lang="zh-TW" altLang="en-US" sz="1200" dirty="0"/>
+          </a:p>
+        </p:txBody>
+      </p:sp>
+      <p:sp>
+        <p:nvSpPr>
+          <p:cNvPr id="23" name="流程圖: 決策 22"/>
+          <p:cNvSpPr/>
+          <p:nvPr/>
+        </p:nvSpPr>
+        <p:spPr>
+          <a:xfrm>
+            <a:off x="2869722" y="3610132"/>
+            <a:ext cx="2724218" cy="522029"/>
+          </a:xfrm>
+          <a:prstGeom prst="flowChartDecision">
+            <a:avLst/>
+          </a:prstGeom>
+        </p:spPr>
+        <p:style>
+          <a:lnRef idx="2">
+            <a:schemeClr val="dk1"/>
+          </a:lnRef>
+          <a:fillRef idx="1">
+            <a:schemeClr val="lt1"/>
+          </a:fillRef>
+          <a:effectRef idx="0">
+            <a:schemeClr val="dk1"/>
+          </a:effectRef>
+          <a:fontRef idx="minor">
+            <a:schemeClr val="dk1"/>
+          </a:fontRef>
+        </p:style>
+        <p:txBody>
+          <a:bodyPr rtlCol="0" anchor="ctr"/>
+          <a:lstStyle/>
+          <a:p>
+            <a:pPr algn="ctr"/>
+            <a:r>
+              <a:rPr lang="en-US" altLang="zh-TW" sz="1200" dirty="0" smtClean="0"/>
+              <a:t>LOF Value</a:t>
+            </a:r>
+            <a:endParaRPr lang="zh-TW" altLang="en-US" sz="1200" dirty="0"/>
+          </a:p>
+        </p:txBody>
+      </p:sp>
+      <p:cxnSp>
+        <p:nvCxnSpPr>
+          <p:cNvPr id="24" name="直線單箭頭接點 23"/>
+          <p:cNvCxnSpPr>
+            <a:stCxn id="22" idx="2"/>
+            <a:endCxn id="23" idx="0"/>
+          </p:cNvCxnSpPr>
+          <p:nvPr/>
+        </p:nvCxnSpPr>
+        <p:spPr>
+          <a:xfrm>
+            <a:off x="4231831" y="3357169"/>
+            <a:ext cx="0" cy="252963"/>
+          </a:xfrm>
+          <a:prstGeom prst="straightConnector1">
+            <a:avLst/>
+          </a:prstGeom>
+          <a:ln>
+            <a:tailEnd type="triangle"/>
+          </a:ln>
+        </p:spPr>
+        <p:style>
+          <a:lnRef idx="1">
+            <a:schemeClr val="dk1"/>
+          </a:lnRef>
+          <a:fillRef idx="0">
+            <a:schemeClr val="dk1"/>
+          </a:fillRef>
+          <a:effectRef idx="0">
+            <a:schemeClr val="dk1"/>
+          </a:effectRef>
+          <a:fontRef idx="minor">
+            <a:schemeClr val="tx1"/>
+          </a:fontRef>
+        </p:style>
+      </p:cxnSp>
+      <p:sp>
+        <p:nvSpPr>
+          <p:cNvPr id="25" name="文字方塊 24"/>
+          <p:cNvSpPr txBox="1"/>
+          <p:nvPr/>
+        </p:nvSpPr>
+        <p:spPr>
+          <a:xfrm>
+            <a:off x="5150287" y="1446026"/>
+            <a:ext cx="922047" cy="276999"/>
+          </a:xfrm>
+          <a:prstGeom prst="rect">
+            <a:avLst/>
+          </a:prstGeom>
+          <a:noFill/>
+        </p:spPr>
+        <p:txBody>
+          <a:bodyPr wrap="none" rtlCol="0">
+            <a:spAutoFit/>
+          </a:bodyPr>
+          <a:lstStyle/>
+          <a:p>
+            <a:r>
+              <a:rPr lang="en-US" altLang="zh-TW" sz="1200" dirty="0" smtClean="0"/>
+              <a:t>Not Enough</a:t>
+            </a:r>
+            <a:endParaRPr lang="zh-TW" altLang="en-US" sz="1200" dirty="0"/>
+          </a:p>
+        </p:txBody>
+      </p:sp>
+      <p:sp>
+        <p:nvSpPr>
+          <p:cNvPr id="26" name="文字方塊 25"/>
+          <p:cNvSpPr txBox="1"/>
+          <p:nvPr/>
+        </p:nvSpPr>
+        <p:spPr>
+          <a:xfrm>
+            <a:off x="4183592" y="2687428"/>
+            <a:ext cx="654346" cy="276999"/>
+          </a:xfrm>
+          <a:prstGeom prst="rect">
+            <a:avLst/>
+          </a:prstGeom>
+          <a:noFill/>
+        </p:spPr>
+        <p:txBody>
+          <a:bodyPr wrap="none" rtlCol="0">
+            <a:spAutoFit/>
+          </a:bodyPr>
+          <a:lstStyle/>
+          <a:p>
+            <a:r>
+              <a:rPr lang="en-US" altLang="zh-TW" sz="1200" dirty="0" smtClean="0"/>
+              <a:t>Enough</a:t>
+            </a:r>
+            <a:endParaRPr lang="zh-TW" altLang="en-US" sz="1200" dirty="0"/>
+          </a:p>
+        </p:txBody>
+      </p:sp>
+      <p:grpSp>
+        <p:nvGrpSpPr>
+          <p:cNvPr id="27" name="群組 26"/>
+          <p:cNvGrpSpPr/>
+          <p:nvPr/>
+        </p:nvGrpSpPr>
+        <p:grpSpPr>
+          <a:xfrm>
+            <a:off x="5131831" y="1671237"/>
+            <a:ext cx="583462" cy="770966"/>
+            <a:chOff x="5131831" y="1671237"/>
+            <a:chExt cx="583462" cy="770966"/>
+          </a:xfrm>
+        </p:grpSpPr>
+        <p:cxnSp>
+          <p:nvCxnSpPr>
+            <p:cNvPr id="28" name="直線接點 27"/>
+            <p:cNvCxnSpPr>
+              <a:stCxn id="16" idx="3"/>
+            </p:cNvCxnSpPr>
+            <p:nvPr/>
+          </p:nvCxnSpPr>
+          <p:spPr>
+            <a:xfrm flipV="1">
+              <a:off x="5715293" y="1671237"/>
+              <a:ext cx="0" cy="770966"/>
+            </a:xfrm>
+            <a:prstGeom prst="line">
+              <a:avLst/>
+            </a:prstGeom>
+          </p:spPr>
+          <p:style>
+            <a:lnRef idx="1">
+              <a:schemeClr val="dk1"/>
+            </a:lnRef>
+            <a:fillRef idx="0">
+              <a:schemeClr val="dk1"/>
+            </a:fillRef>
+            <a:effectRef idx="0">
+              <a:schemeClr val="dk1"/>
+            </a:effectRef>
+            <a:fontRef idx="minor">
+              <a:schemeClr val="tx1"/>
+            </a:fontRef>
+          </p:style>
+        </p:cxnSp>
+        <p:cxnSp>
+          <p:nvCxnSpPr>
+            <p:cNvPr id="29" name="直線單箭頭接點 28"/>
+            <p:cNvCxnSpPr/>
+            <p:nvPr/>
+          </p:nvCxnSpPr>
+          <p:spPr>
+            <a:xfrm flipH="1">
+              <a:off x="5131831" y="1671237"/>
+              <a:ext cx="583462" cy="0"/>
+            </a:xfrm>
+            <a:prstGeom prst="straightConnector1">
+              <a:avLst/>
+            </a:prstGeom>
+            <a:ln>
+              <a:tailEnd type="triangle"/>
+            </a:ln>
+          </p:spPr>
+          <p:style>
+            <a:lnRef idx="1">
+              <a:schemeClr val="dk1"/>
+            </a:lnRef>
+            <a:fillRef idx="0">
+              <a:schemeClr val="dk1"/>
+            </a:fillRef>
+            <a:effectRef idx="0">
+              <a:schemeClr val="dk1"/>
+            </a:effectRef>
+            <a:fontRef idx="minor">
+              <a:schemeClr val="tx1"/>
+            </a:fontRef>
+          </p:style>
+        </p:cxnSp>
+      </p:grpSp>
+      <p:grpSp>
+        <p:nvGrpSpPr>
+          <p:cNvPr id="30" name="群組 29"/>
+          <p:cNvGrpSpPr/>
+          <p:nvPr/>
+        </p:nvGrpSpPr>
+        <p:grpSpPr>
+          <a:xfrm>
+            <a:off x="5041831" y="3177169"/>
+            <a:ext cx="552109" cy="693978"/>
+            <a:chOff x="5041831" y="3177169"/>
+            <a:chExt cx="552109" cy="693978"/>
+          </a:xfrm>
+        </p:grpSpPr>
+        <p:cxnSp>
+          <p:nvCxnSpPr>
+            <p:cNvPr id="31" name="直線單箭頭接點 30"/>
+            <p:cNvCxnSpPr>
+              <a:endCxn id="22" idx="3"/>
+            </p:cNvCxnSpPr>
+            <p:nvPr/>
+          </p:nvCxnSpPr>
+          <p:spPr>
+            <a:xfrm flipH="1">
+              <a:off x="5041831" y="3177169"/>
+              <a:ext cx="552109" cy="0"/>
+            </a:xfrm>
+            <a:prstGeom prst="straightConnector1">
+              <a:avLst/>
+            </a:prstGeom>
+            <a:ln>
+              <a:tailEnd type="triangle"/>
+            </a:ln>
+          </p:spPr>
+          <p:style>
+            <a:lnRef idx="1">
+              <a:schemeClr val="dk1"/>
+            </a:lnRef>
+            <a:fillRef idx="0">
+              <a:schemeClr val="dk1"/>
+            </a:fillRef>
+            <a:effectRef idx="0">
+              <a:schemeClr val="dk1"/>
+            </a:effectRef>
+            <a:fontRef idx="minor">
+              <a:schemeClr val="tx1"/>
+            </a:fontRef>
+          </p:style>
+        </p:cxnSp>
+        <p:cxnSp>
+          <p:nvCxnSpPr>
+            <p:cNvPr id="32" name="直線接點 31"/>
+            <p:cNvCxnSpPr>
+              <a:stCxn id="23" idx="3"/>
+            </p:cNvCxnSpPr>
+            <p:nvPr/>
+          </p:nvCxnSpPr>
+          <p:spPr>
+            <a:xfrm flipV="1">
+              <a:off x="5593940" y="3177169"/>
+              <a:ext cx="0" cy="693978"/>
+            </a:xfrm>
+            <a:prstGeom prst="line">
+              <a:avLst/>
+            </a:prstGeom>
+          </p:spPr>
+          <p:style>
+            <a:lnRef idx="1">
+              <a:schemeClr val="dk1"/>
+            </a:lnRef>
+            <a:fillRef idx="0">
+              <a:schemeClr val="dk1"/>
+            </a:fillRef>
+            <a:effectRef idx="0">
+              <a:schemeClr val="dk1"/>
+            </a:effectRef>
+            <a:fontRef idx="minor">
+              <a:schemeClr val="tx1"/>
+            </a:fontRef>
+          </p:style>
+        </p:cxnSp>
+      </p:grpSp>
+      <p:cxnSp>
+        <p:nvCxnSpPr>
+          <p:cNvPr id="33" name="直線接點 32"/>
+          <p:cNvCxnSpPr>
+            <a:stCxn id="15" idx="1"/>
+          </p:cNvCxnSpPr>
+          <p:nvPr/>
+        </p:nvCxnSpPr>
+        <p:spPr>
+          <a:xfrm flipH="1">
+            <a:off x="2344189" y="1671237"/>
+            <a:ext cx="987642" cy="0"/>
+          </a:xfrm>
+          <a:prstGeom prst="line">
+            <a:avLst/>
+          </a:prstGeom>
+        </p:spPr>
+        <p:style>
+          <a:lnRef idx="1">
+            <a:schemeClr val="dk1"/>
+          </a:lnRef>
+          <a:fillRef idx="0">
+            <a:schemeClr val="dk1"/>
+          </a:fillRef>
+          <a:effectRef idx="0">
+            <a:schemeClr val="dk1"/>
+          </a:effectRef>
+          <a:fontRef idx="minor">
+            <a:schemeClr val="tx1"/>
+          </a:fontRef>
+        </p:style>
+      </p:cxnSp>
+      <p:cxnSp>
+        <p:nvCxnSpPr>
+          <p:cNvPr id="34" name="直線接點 33"/>
+          <p:cNvCxnSpPr/>
+          <p:nvPr/>
+        </p:nvCxnSpPr>
+        <p:spPr>
+          <a:xfrm>
+            <a:off x="2335877" y="1671237"/>
+            <a:ext cx="0" cy="2199909"/>
+          </a:xfrm>
+          <a:prstGeom prst="line">
+            <a:avLst/>
+          </a:prstGeom>
+        </p:spPr>
+        <p:style>
+          <a:lnRef idx="1">
+            <a:schemeClr val="dk1"/>
+          </a:lnRef>
+          <a:fillRef idx="0">
+            <a:schemeClr val="dk1"/>
+          </a:fillRef>
+          <a:effectRef idx="0">
+            <a:schemeClr val="dk1"/>
+          </a:effectRef>
+          <a:fontRef idx="minor">
+            <a:schemeClr val="tx1"/>
+          </a:fontRef>
+        </p:style>
+      </p:cxnSp>
+      <p:cxnSp>
+        <p:nvCxnSpPr>
+          <p:cNvPr id="35" name="直線單箭頭接點 34"/>
+          <p:cNvCxnSpPr>
+            <a:endCxn id="23" idx="1"/>
+          </p:cNvCxnSpPr>
+          <p:nvPr/>
+        </p:nvCxnSpPr>
+        <p:spPr>
+          <a:xfrm>
+            <a:off x="2335877" y="3871146"/>
+            <a:ext cx="533845" cy="1"/>
+          </a:xfrm>
+          <a:prstGeom prst="straightConnector1">
+            <a:avLst/>
+          </a:prstGeom>
+          <a:ln>
+            <a:tailEnd type="triangle"/>
+          </a:ln>
+        </p:spPr>
+        <p:style>
+          <a:lnRef idx="1">
+            <a:schemeClr val="dk1"/>
+          </a:lnRef>
+          <a:fillRef idx="0">
+            <a:schemeClr val="dk1"/>
+          </a:fillRef>
+          <a:effectRef idx="0">
+            <a:schemeClr val="dk1"/>
+          </a:effectRef>
+          <a:fontRef idx="minor">
+            <a:schemeClr val="tx1"/>
+          </a:fontRef>
+        </p:style>
+      </p:cxnSp>
+      <p:sp>
+        <p:nvSpPr>
+          <p:cNvPr id="36" name="流程圖: 替代程序 35"/>
+          <p:cNvSpPr/>
+          <p:nvPr/>
+        </p:nvSpPr>
+        <p:spPr>
+          <a:xfrm>
+            <a:off x="3025831" y="4721284"/>
+            <a:ext cx="2412000" cy="720000"/>
+          </a:xfrm>
+          <a:prstGeom prst="flowChartAlternateProcess">
+            <a:avLst/>
+          </a:prstGeom>
+        </p:spPr>
+        <p:style>
+          <a:lnRef idx="2">
+            <a:schemeClr val="dk1"/>
+          </a:lnRef>
+          <a:fillRef idx="1">
+            <a:schemeClr val="lt1"/>
+          </a:fillRef>
+          <a:effectRef idx="0">
+            <a:schemeClr val="dk1"/>
+          </a:effectRef>
+          <a:fontRef idx="minor">
+            <a:schemeClr val="dk1"/>
+          </a:fontRef>
+        </p:style>
+        <p:txBody>
+          <a:bodyPr rtlCol="0" anchor="ctr"/>
+          <a:lstStyle/>
+          <a:p>
+            <a:pPr algn="ctr"/>
+            <a:r>
+              <a:rPr lang="en-US" altLang="zh-TW" sz="1200" dirty="0"/>
+              <a:t>trigger the alert functions, sending warning message</a:t>
+            </a:r>
+            <a:endParaRPr lang="zh-TW" altLang="en-US" sz="1200" dirty="0"/>
+          </a:p>
+        </p:txBody>
+      </p:sp>
+      <p:sp>
+        <p:nvSpPr>
+          <p:cNvPr id="37" name="文字方塊 36"/>
+          <p:cNvSpPr txBox="1"/>
+          <p:nvPr/>
+        </p:nvSpPr>
+        <p:spPr>
+          <a:xfrm>
+            <a:off x="4206952" y="4304109"/>
+            <a:ext cx="1749390" cy="276999"/>
+          </a:xfrm>
+          <a:prstGeom prst="rect">
+            <a:avLst/>
+          </a:prstGeom>
+          <a:noFill/>
+        </p:spPr>
+        <p:txBody>
+          <a:bodyPr wrap="none" rtlCol="0">
+            <a:spAutoFit/>
+          </a:bodyPr>
+          <a:lstStyle/>
+          <a:p>
+            <a:r>
+              <a:rPr lang="en-US" altLang="zh-TW" sz="1200" dirty="0" smtClean="0"/>
+              <a:t>Significant greater than 1</a:t>
+            </a:r>
+            <a:endParaRPr lang="zh-TW" altLang="en-US" sz="1200" dirty="0"/>
+          </a:p>
+        </p:txBody>
+      </p:sp>
+      <p:cxnSp>
+        <p:nvCxnSpPr>
+          <p:cNvPr id="38" name="直線單箭頭接點 37"/>
+          <p:cNvCxnSpPr/>
+          <p:nvPr/>
+        </p:nvCxnSpPr>
+        <p:spPr>
+          <a:xfrm>
+            <a:off x="4231831" y="4144858"/>
+            <a:ext cx="0" cy="555674"/>
+          </a:xfrm>
+          <a:prstGeom prst="straightConnector1">
+            <a:avLst/>
+          </a:prstGeom>
+          <a:ln>
+            <a:tailEnd type="triangle"/>
+          </a:ln>
+        </p:spPr>
+        <p:style>
+          <a:lnRef idx="1">
+            <a:schemeClr val="dk1"/>
+          </a:lnRef>
+          <a:fillRef idx="0">
+            <a:schemeClr val="dk1"/>
+          </a:fillRef>
+          <a:effectRef idx="0">
+            <a:schemeClr val="dk1"/>
+          </a:effectRef>
+          <a:fontRef idx="minor">
+            <a:schemeClr val="tx1"/>
+          </a:fontRef>
+        </p:style>
+      </p:cxnSp>
+    </p:spTree>
+    <p:extLst>
+      <p:ext uri="{BB962C8B-B14F-4D97-AF65-F5344CB8AC3E}">
+        <p14:creationId xmlns:p14="http://schemas.microsoft.com/office/powerpoint/2010/main" val="2965171000"/>
       </p:ext>
     </p:extLst>
   </p:cSld>
